--- a/Presentation/HTML Class 01.pptx
+++ b/Presentation/HTML Class 01.pptx
@@ -203,7 +203,7 @@
           <a:p>
             <a:fld id="{EDE0A0D5-8F98-4CC1-A28E-021F0B6B475C}" type="datetimeFigureOut">
               <a:rPr lang="en-US" smtClean="0"/>
-              <a:t>5/28/2022</a:t>
+              <a:t>5/29/2022</a:t>
             </a:fld>
             <a:endParaRPr lang="en-US" dirty="0"/>
           </a:p>
@@ -658,7 +658,7 @@
           <a:p>
             <a:fld id="{3A750590-9F9A-443B-9295-A3931D8194B1}" type="datetime1">
               <a:rPr lang="en-US" smtClean="0"/>
-              <a:t>5/28/2022</a:t>
+              <a:t>5/29/2022</a:t>
             </a:fld>
             <a:endParaRPr lang="en-US" dirty="0"/>
           </a:p>
@@ -996,7 +996,7 @@
           <a:p>
             <a:fld id="{D9359126-4846-4E88-BDD9-5585CC877E47}" type="datetime1">
               <a:rPr lang="en-US" smtClean="0"/>
-              <a:t>5/28/2022</a:t>
+              <a:t>5/29/2022</a:t>
             </a:fld>
             <a:endParaRPr lang="en-US" dirty="0"/>
           </a:p>
@@ -1399,7 +1399,7 @@
           <a:p>
             <a:fld id="{D9359126-4846-4E88-BDD9-5585CC877E47}" type="datetime1">
               <a:rPr lang="en-US" smtClean="0"/>
-              <a:t>5/28/2022</a:t>
+              <a:t>5/29/2022</a:t>
             </a:fld>
             <a:endParaRPr lang="en-US" dirty="0"/>
           </a:p>
@@ -1737,7 +1737,7 @@
           <a:p>
             <a:fld id="{D9359126-4846-4E88-BDD9-5585CC877E47}" type="datetime1">
               <a:rPr lang="en-US" smtClean="0"/>
-              <a:t>5/28/2022</a:t>
+              <a:t>5/29/2022</a:t>
             </a:fld>
             <a:endParaRPr lang="en-US" dirty="0"/>
           </a:p>
@@ -2059,7 +2059,7 @@
           <a:p>
             <a:fld id="{D9359126-4846-4E88-BDD9-5585CC877E47}" type="datetime1">
               <a:rPr lang="en-US" smtClean="0"/>
-              <a:t>5/28/2022</a:t>
+              <a:t>5/29/2022</a:t>
             </a:fld>
             <a:endParaRPr lang="en-US" dirty="0"/>
           </a:p>
@@ -2457,7 +2457,7 @@
           <a:p>
             <a:fld id="{D9359126-4846-4E88-BDD9-5585CC877E47}" type="datetime1">
               <a:rPr lang="en-US" smtClean="0"/>
-              <a:t>5/28/2022</a:t>
+              <a:t>5/29/2022</a:t>
             </a:fld>
             <a:endParaRPr lang="en-US" dirty="0"/>
           </a:p>
@@ -2716,7 +2716,7 @@
           <a:p>
             <a:fld id="{1F96F347-1B2F-4097-AEB5-4A26FB45D67A}" type="datetime1">
               <a:rPr lang="en-US" smtClean="0"/>
-              <a:t>5/28/2022</a:t>
+              <a:t>5/29/2022</a:t>
             </a:fld>
             <a:endParaRPr lang="en-US" dirty="0"/>
           </a:p>
@@ -2978,7 +2978,7 @@
           <a:p>
             <a:fld id="{8CC1DEE0-34E5-4E0F-BEC1-4B8835F82CD1}" type="datetime1">
               <a:rPr lang="en-US" smtClean="0"/>
-              <a:t>5/28/2022</a:t>
+              <a:t>5/29/2022</a:t>
             </a:fld>
             <a:endParaRPr lang="en-US" dirty="0"/>
           </a:p>
@@ -3240,7 +3240,7 @@
           <a:p>
             <a:fld id="{3B75B4BE-627A-4EC1-99E1-6F1AA97AB802}" type="datetime1">
               <a:rPr lang="en-US" smtClean="0"/>
-              <a:t>5/28/2022</a:t>
+              <a:t>5/29/2022</a:t>
             </a:fld>
             <a:endParaRPr lang="en-US" dirty="0"/>
           </a:p>
@@ -3569,7 +3569,7 @@
           <a:p>
             <a:fld id="{78BFACF8-E63D-4673-A128-83547867BB7A}" type="datetime1">
               <a:rPr lang="en-US" smtClean="0"/>
-              <a:t>5/28/2022</a:t>
+              <a:t>5/29/2022</a:t>
             </a:fld>
             <a:endParaRPr lang="en-US" dirty="0"/>
           </a:p>
@@ -3892,7 +3892,7 @@
           <a:p>
             <a:fld id="{15BED6AC-4FBA-40BD-BE75-20DB64DA4BAD}" type="datetime1">
               <a:rPr lang="en-US" smtClean="0"/>
-              <a:t>5/28/2022</a:t>
+              <a:t>5/29/2022</a:t>
             </a:fld>
             <a:endParaRPr lang="en-US" dirty="0"/>
           </a:p>
@@ -4349,7 +4349,7 @@
           <a:p>
             <a:fld id="{3F933C87-D201-458A-93C0-8EDD9AC92D93}" type="datetime1">
               <a:rPr lang="en-US" smtClean="0"/>
-              <a:t>5/28/2022</a:t>
+              <a:t>5/29/2022</a:t>
             </a:fld>
             <a:endParaRPr lang="en-US" dirty="0"/>
           </a:p>
@@ -4554,7 +4554,7 @@
           <a:p>
             <a:fld id="{76CE6829-5A25-485A-91B1-5D6D58BB9F23}" type="datetime1">
               <a:rPr lang="en-US" smtClean="0"/>
-              <a:t>5/28/2022</a:t>
+              <a:t>5/29/2022</a:t>
             </a:fld>
             <a:endParaRPr lang="en-US" dirty="0"/>
           </a:p>
@@ -4731,7 +4731,7 @@
           <a:p>
             <a:fld id="{9912F5CD-23D0-4DD1-85B1-71F1825FB3EC}" type="datetime1">
               <a:rPr lang="en-US" smtClean="0"/>
-              <a:t>5/28/2022</a:t>
+              <a:t>5/29/2022</a:t>
             </a:fld>
             <a:endParaRPr lang="en-US" dirty="0"/>
           </a:p>
@@ -5064,7 +5064,7 @@
           <a:p>
             <a:fld id="{38BA5035-C284-496A-B076-BA73A8FA5D8B}" type="datetime1">
               <a:rPr lang="en-US" smtClean="0"/>
-              <a:t>5/28/2022</a:t>
+              <a:t>5/29/2022</a:t>
             </a:fld>
             <a:endParaRPr lang="en-US" dirty="0"/>
           </a:p>
@@ -5409,7 +5409,7 @@
           <a:p>
             <a:fld id="{B40EB420-1875-490A-8C4B-7AAB939FBE08}" type="datetime1">
               <a:rPr lang="en-US" smtClean="0"/>
-              <a:t>5/28/2022</a:t>
+              <a:t>5/29/2022</a:t>
             </a:fld>
             <a:endParaRPr lang="en-US" dirty="0"/>
           </a:p>
@@ -7526,7 +7526,7 @@
           <a:p>
             <a:fld id="{D9359126-4846-4E88-BDD9-5585CC877E47}" type="datetime1">
               <a:rPr lang="en-US" smtClean="0"/>
-              <a:t>5/28/2022</a:t>
+              <a:t>5/29/2022</a:t>
             </a:fld>
             <a:endParaRPr lang="en-US" dirty="0"/>
           </a:p>
@@ -8110,7 +8110,7 @@
         </p:spPr>
         <p:txBody>
           <a:bodyPr>
-            <a:normAutofit lnSpcReduction="10000"/>
+            <a:normAutofit fontScale="70000" lnSpcReduction="20000"/>
           </a:bodyPr>
           <a:lstStyle/>
           <a:p>
@@ -8124,7 +8124,33 @@
                 <a:latin typeface="Times New Roman" panose="02020603050405020304" pitchFamily="18" charset="0"/>
                 <a:cs typeface="Times New Roman" panose="02020603050405020304" pitchFamily="18" charset="0"/>
               </a:rPr>
-              <a:t>Module – 01</a:t>
+              <a:t>Module – </a:t>
+            </a:r>
+            <a:r>
+              <a:rPr lang="en-US" sz="3200" b="1" dirty="0" smtClean="0">
+                <a:solidFill>
+                  <a:schemeClr val="accent2">
+                    <a:lumMod val="75000"/>
+                  </a:schemeClr>
+                </a:solidFill>
+                <a:latin typeface="Times New Roman" panose="02020603050405020304" pitchFamily="18" charset="0"/>
+                <a:cs typeface="Times New Roman" panose="02020603050405020304" pitchFamily="18" charset="0"/>
+              </a:rPr>
+              <a:t>01</a:t>
+            </a:r>
+          </a:p>
+          <a:p>
+            <a:r>
+              <a:rPr lang="en-US" sz="3200" b="1" smtClean="0">
+                <a:solidFill>
+                  <a:schemeClr val="accent2">
+                    <a:lumMod val="75000"/>
+                  </a:schemeClr>
+                </a:solidFill>
+                <a:latin typeface="Times New Roman" panose="02020603050405020304" pitchFamily="18" charset="0"/>
+                <a:cs typeface="Times New Roman" panose="02020603050405020304" pitchFamily="18" charset="0"/>
+              </a:rPr>
+              <a:t>Class-01</a:t>
             </a:r>
             <a:endParaRPr lang="en-US" sz="3200" dirty="0" smtClean="0">
               <a:solidFill>
@@ -8276,11 +8302,7 @@
             </a:pPr>
             <a:r>
               <a:rPr lang="en-US" sz="2000" dirty="0"/>
-              <a:t>People </a:t>
-            </a:r>
-            <a:r>
-              <a:rPr lang="en-US" sz="2000" dirty="0"/>
-              <a:t>access websites using software called a </a:t>
+              <a:t>People access websites using software called a </a:t>
             </a:r>
             <a:r>
               <a:rPr lang="en-US" sz="2000" b="1" dirty="0">
@@ -8294,25 +8316,8 @@
             </a:r>
             <a:r>
               <a:rPr lang="en-US" sz="2000" dirty="0"/>
-              <a:t> </a:t>
-            </a:r>
-            <a:r>
-              <a:rPr lang="en-US" sz="2000" dirty="0"/>
-              <a:t>Popular examples include Firefox, Internet </a:t>
-            </a:r>
-            <a:r>
-              <a:rPr lang="en-US" sz="2000" dirty="0"/>
-              <a:t>Explorer, </a:t>
-            </a:r>
-            <a:r>
-              <a:rPr lang="en-US" sz="2000" dirty="0"/>
-              <a:t>Safari, Chrome, </a:t>
-            </a:r>
-            <a:r>
-              <a:rPr lang="en-US" sz="2000" dirty="0"/>
-              <a:t>and. Opera.</a:t>
-            </a:r>
-            <a:endParaRPr lang="en-US" sz="2000" dirty="0"/>
+              <a:t> Popular examples include Firefox, Internet Explorer, Safari, Chrome, and. Opera.</a:t>
+            </a:r>
           </a:p>
           <a:p>
             <a:pPr>
@@ -8338,13 +8343,8 @@
             </a:r>
             <a:r>
               <a:rPr lang="en-US" sz="2000" dirty="0"/>
-              <a:t>which hosts the </a:t>
-            </a:r>
-            <a:r>
-              <a:rPr lang="en-US" sz="2000" dirty="0"/>
-              <a:t>website</a:t>
-            </a:r>
-            <a:endParaRPr lang="en-US" sz="2000" dirty="0"/>
+              <a:t>which hosts the website</a:t>
+            </a:r>
           </a:p>
           <a:p>
             <a:pPr>
@@ -8382,7 +8382,6 @@
               <a:rPr lang="en-US" sz="2000" dirty="0"/>
               <a:t>, so that users can view and interact with that website.</a:t>
             </a:r>
-            <a:endParaRPr lang="en-US" sz="2000" dirty="0"/>
           </a:p>
         </p:txBody>
       </p:sp>
@@ -8724,11 +8723,6 @@
               </a:rPr>
               <a:t>&lt;/head&gt;</a:t>
             </a:r>
-            <a:endParaRPr lang="en-US" sz="1600" dirty="0" smtClean="0">
-              <a:solidFill>
-                <a:schemeClr val="accent1"/>
-              </a:solidFill>
-            </a:endParaRPr>
           </a:p>
           <a:p>
             <a:pPr marL="0" indent="0">
@@ -9536,7 +9530,6 @@
               <a:rPr lang="en-US" sz="2000" dirty="0" smtClean="0"/>
               <a:t>&gt;</a:t>
             </a:r>
-            <a:endParaRPr lang="en-US" sz="2000" dirty="0" smtClean="0"/>
           </a:p>
           <a:p>
             <a:r>
@@ -9739,7 +9732,6 @@
               <a:rPr lang="en-US" sz="2000" dirty="0" smtClean="0"/>
               <a:t>&gt;s</a:t>
             </a:r>
-            <a:endParaRPr lang="en-US" sz="2000" dirty="0" smtClean="0"/>
           </a:p>
           <a:p>
             <a:r>
@@ -10534,23 +10526,6 @@
 </file>
 
 <file path=customXml/item1.xml><?xml version="1.0" encoding="utf-8"?>
-<?mso-contentType ?>
-<FormTemplates xmlns="http://schemas.microsoft.com/sharepoint/v3/contenttype/forms">
-  <Display>DocumentLibraryForm</Display>
-  <Edit>DocumentLibraryForm</Edit>
-  <New>DocumentLibraryForm</New>
-</FormTemplates>
-</file>
-
-<file path=customXml/item2.xml><?xml version="1.0" encoding="utf-8"?>
-<p:properties xmlns:p="http://schemas.microsoft.com/office/2006/metadata/properties" xmlns:xsi="http://www.w3.org/2001/XMLSchema-instance" xmlns:pc="http://schemas.microsoft.com/office/infopath/2007/PartnerControls">
-  <documentManagement>
-    <MediaServiceKeyPoints xmlns="71af3243-3dd4-4a8d-8c0d-dd76da1f02a5" xsi:nil="true"/>
-  </documentManagement>
-</p:properties>
-</file>
-
-<file path=customXml/item3.xml><?xml version="1.0" encoding="utf-8"?>
 <ct:contentTypeSchema xmlns:ct="http://schemas.microsoft.com/office/2006/metadata/contentType" xmlns:ma="http://schemas.microsoft.com/office/2006/metadata/properties/metaAttributes" ct:_="" ma:_="" ma:contentTypeName="Document" ma:contentTypeID="0x01010079F111ED35F8CC479449609E8A0923A6" ma:contentTypeVersion="11" ma:contentTypeDescription="Create a new document." ma:contentTypeScope="" ma:versionID="9677210f24a1be23c92c90fd886aa0aa">
   <xsd:schema xmlns:xsd="http://www.w3.org/2001/XMLSchema" xmlns:xs="http://www.w3.org/2001/XMLSchema" xmlns:p="http://schemas.microsoft.com/office/2006/metadata/properties" xmlns:ns2="71af3243-3dd4-4a8d-8c0d-dd76da1f02a5" xmlns:ns3="16c05727-aa75-4e4a-9b5f-8a80a1165891" targetNamespace="http://schemas.microsoft.com/office/2006/metadata/properties" ma:root="true" ma:fieldsID="60e05723c5c1908df1a1a4ebf11d344e" ns2:_="" ns3:_="">
     <xsd:import namespace="71af3243-3dd4-4a8d-8c0d-dd76da1f02a5"/>
@@ -10761,25 +10736,24 @@
 </ct:contentTypeSchema>
 </file>
 
-<file path=customXml/itemProps1.xml><?xml version="1.0" encoding="utf-8"?>
-<ds:datastoreItem xmlns:ds="http://schemas.openxmlformats.org/officeDocument/2006/customXml" ds:itemID="{10BEB954-4024-4CCF-A9D6-4C00FDC028D9}">
-  <ds:schemaRefs>
-    <ds:schemaRef ds:uri="http://schemas.microsoft.com/sharepoint/v3/contenttype/forms"/>
-  </ds:schemaRefs>
-</ds:datastoreItem>
+<file path=customXml/item2.xml><?xml version="1.0" encoding="utf-8"?>
+<p:properties xmlns:p="http://schemas.microsoft.com/office/2006/metadata/properties" xmlns:xsi="http://www.w3.org/2001/XMLSchema-instance" xmlns:pc="http://schemas.microsoft.com/office/infopath/2007/PartnerControls">
+  <documentManagement>
+    <MediaServiceKeyPoints xmlns="71af3243-3dd4-4a8d-8c0d-dd76da1f02a5" xsi:nil="true"/>
+  </documentManagement>
+</p:properties>
 </file>
 
-<file path=customXml/itemProps2.xml><?xml version="1.0" encoding="utf-8"?>
-<ds:datastoreItem xmlns:ds="http://schemas.openxmlformats.org/officeDocument/2006/customXml" ds:itemID="{4710EE66-8707-456F-8F2E-091D581CB030}">
-  <ds:schemaRefs>
-    <ds:schemaRef ds:uri="http://schemas.microsoft.com/office/2006/metadata/properties"/>
-    <ds:schemaRef ds:uri="http://schemas.microsoft.com/office/infopath/2007/PartnerControls"/>
-    <ds:schemaRef ds:uri="71af3243-3dd4-4a8d-8c0d-dd76da1f02a5"/>
-  </ds:schemaRefs>
-</ds:datastoreItem>
+<file path=customXml/item3.xml><?xml version="1.0" encoding="utf-8"?>
+<?mso-contentType ?>
+<FormTemplates xmlns="http://schemas.microsoft.com/sharepoint/v3/contenttype/forms">
+  <Display>DocumentLibraryForm</Display>
+  <Edit>DocumentLibraryForm</Edit>
+  <New>DocumentLibraryForm</New>
+</FormTemplates>
 </file>
 
-<file path=customXml/itemProps3.xml><?xml version="1.0" encoding="utf-8"?>
+<file path=customXml/itemProps1.xml><?xml version="1.0" encoding="utf-8"?>
 <ds:datastoreItem xmlns:ds="http://schemas.openxmlformats.org/officeDocument/2006/customXml" ds:itemID="{AB96CC85-5758-41C0-8EFD-737AFB69121D}">
   <ds:schemaRefs>
     <ds:schemaRef ds:uri="http://schemas.microsoft.com/office/2006/metadata/contentType"/>
@@ -10796,4 +10770,22 @@
     <ds:schemaRef ds:uri="http://schemas.microsoft.com/internal/obd"/>
   </ds:schemaRefs>
 </ds:datastoreItem>
+</file>
+
+<file path=customXml/itemProps2.xml><?xml version="1.0" encoding="utf-8"?>
+<ds:datastoreItem xmlns:ds="http://schemas.openxmlformats.org/officeDocument/2006/customXml" ds:itemID="{4710EE66-8707-456F-8F2E-091D581CB030}">
+  <ds:schemaRefs>
+    <ds:schemaRef ds:uri="http://schemas.microsoft.com/office/2006/metadata/properties"/>
+    <ds:schemaRef ds:uri="http://schemas.microsoft.com/office/infopath/2007/PartnerControls"/>
+    <ds:schemaRef ds:uri="71af3243-3dd4-4a8d-8c0d-dd76da1f02a5"/>
+  </ds:schemaRefs>
+</ds:datastoreItem>
+</file>
+
+<file path=customXml/itemProps3.xml><?xml version="1.0" encoding="utf-8"?>
+<ds:datastoreItem xmlns:ds="http://schemas.openxmlformats.org/officeDocument/2006/customXml" ds:itemID="{10BEB954-4024-4CCF-A9D6-4C00FDC028D9}">
+  <ds:schemaRefs>
+    <ds:schemaRef ds:uri="http://schemas.microsoft.com/sharepoint/v3/contenttype/forms"/>
+  </ds:schemaRefs>
+</ds:datastoreItem>
 </file>